--- a/treewidth_presentation.pptx
+++ b/treewidth_presentation.pptx
@@ -173,19 +173,17 @@
             </a:pPr>
             <a:r>
               <a:rPr lang="en-CA"/>
-              <a:t>Dynamic Programming Time on Dodecahedron</a:t>
-            </a:r>
+              <a:t>Execution</a:t>
+            </a:r>
+            <a:r>
+              <a:rPr lang="en-CA" baseline="0"/>
+              <a:t> Time on Dodecahedron</a:t>
+            </a:r>
+            <a:endParaRPr lang="en-CA"/>
           </a:p>
         </c:rich>
       </c:tx>
-      <c:layout>
-        <c:manualLayout>
-          <c:xMode val="edge"/>
-          <c:yMode val="edge"/>
-          <c:x val="0.17127899419804257"/>
-          <c:y val="0"/>
-        </c:manualLayout>
-      </c:layout>
+      <c:layout/>
       <c:overlay val="0"/>
       <c:spPr>
         <a:noFill/>
@@ -219,7 +217,7 @@
     <c:plotArea>
       <c:layout/>
       <c:scatterChart>
-        <c:scatterStyle val="lineMarker"/>
+        <c:scatterStyle val="smoothMarker"/>
         <c:varyColors val="0"/>
         <c:ser>
           <c:idx val="0"/>
@@ -248,71 +246,12 @@
               <a:effectLst/>
             </c:spPr>
           </c:marker>
-          <c:dLbls>
-            <c:spPr>
-              <a:noFill/>
-              <a:ln>
-                <a:noFill/>
-              </a:ln>
-              <a:effectLst/>
-            </c:spPr>
-            <c:txPr>
-              <a:bodyPr rot="0" spcFirstLastPara="1" vertOverflow="ellipsis" vert="horz" wrap="square" lIns="38100" tIns="19050" rIns="38100" bIns="19050" anchor="ctr" anchorCtr="1">
-                <a:spAutoFit/>
-              </a:bodyPr>
-              <a:lstStyle/>
-              <a:p>
-                <a:pPr>
-                  <a:defRPr sz="900" b="0" i="0" u="none" strike="noStrike" kern="1200" baseline="0">
-                    <a:solidFill>
-                      <a:schemeClr val="tx1">
-                        <a:lumMod val="75000"/>
-                        <a:lumOff val="25000"/>
-                      </a:schemeClr>
-                    </a:solidFill>
-                    <a:latin typeface="+mn-lt"/>
-                    <a:ea typeface="+mn-ea"/>
-                    <a:cs typeface="+mn-cs"/>
-                  </a:defRPr>
-                </a:pPr>
-                <a:endParaRPr lang="en-US"/>
-              </a:p>
-            </c:txPr>
-            <c:dLblPos val="t"/>
-            <c:showLegendKey val="0"/>
-            <c:showVal val="1"/>
-            <c:showCatName val="0"/>
-            <c:showSerName val="0"/>
-            <c:showPercent val="0"/>
-            <c:showBubbleSize val="0"/>
-            <c:showLeaderLines val="0"/>
-            <c:extLst>
-              <c:ext xmlns:c15="http://schemas.microsoft.com/office/drawing/2012/chart" uri="{CE6537A1-D6FC-4f65-9D91-7224C49458BB}">
-                <c15:layout/>
-                <c15:showLeaderLines val="1"/>
-                <c15:leaderLines>
-                  <c:spPr>
-                    <a:ln w="9525" cap="flat" cmpd="sng" algn="ctr">
-                      <a:solidFill>
-                        <a:schemeClr val="tx1">
-                          <a:lumMod val="35000"/>
-                          <a:lumOff val="65000"/>
-                        </a:schemeClr>
-                      </a:solidFill>
-                      <a:round/>
-                    </a:ln>
-                    <a:effectLst/>
-                  </c:spPr>
-                </c15:leaderLines>
-              </c:ext>
-            </c:extLst>
-          </c:dLbls>
           <c:xVal>
             <c:numRef>
-              <c:f>Sheet1!$A$28:$A$37</c:f>
+              <c:f>Sheet1!$A$28:$A$45</c:f>
               <c:numCache>
                 <c:formatCode>General</c:formatCode>
-                <c:ptCount val="10"/>
+                <c:ptCount val="18"/>
                 <c:pt idx="0">
                   <c:v>1</c:v>
                 </c:pt>
@@ -343,15 +282,39 @@
                 <c:pt idx="9">
                   <c:v>10</c:v>
                 </c:pt>
+                <c:pt idx="10">
+                  <c:v>11</c:v>
+                </c:pt>
+                <c:pt idx="11">
+                  <c:v>12</c:v>
+                </c:pt>
+                <c:pt idx="12">
+                  <c:v>13</c:v>
+                </c:pt>
+                <c:pt idx="13">
+                  <c:v>14</c:v>
+                </c:pt>
+                <c:pt idx="14">
+                  <c:v>15</c:v>
+                </c:pt>
+                <c:pt idx="15">
+                  <c:v>16</c:v>
+                </c:pt>
+                <c:pt idx="16">
+                  <c:v>17</c:v>
+                </c:pt>
+                <c:pt idx="17">
+                  <c:v>18</c:v>
+                </c:pt>
               </c:numCache>
             </c:numRef>
           </c:xVal>
           <c:yVal>
             <c:numRef>
-              <c:f>Sheet1!$B$28:$B$37</c:f>
+              <c:f>Sheet1!$B$28:$B$45</c:f>
               <c:numCache>
                 <c:formatCode>General</c:formatCode>
-                <c:ptCount val="10"/>
+                <c:ptCount val="18"/>
                 <c:pt idx="0">
                   <c:v>0</c:v>
                 </c:pt>
@@ -382,25 +345,48 @@
                 <c:pt idx="9">
                   <c:v>93</c:v>
                 </c:pt>
+                <c:pt idx="10">
+                  <c:v>126</c:v>
+                </c:pt>
+                <c:pt idx="11">
+                  <c:v>76</c:v>
+                </c:pt>
+                <c:pt idx="12">
+                  <c:v>6</c:v>
+                </c:pt>
+                <c:pt idx="13">
+                  <c:v>0</c:v>
+                </c:pt>
+                <c:pt idx="14">
+                  <c:v>0</c:v>
+                </c:pt>
+                <c:pt idx="15">
+                  <c:v>0</c:v>
+                </c:pt>
+                <c:pt idx="16">
+                  <c:v>0</c:v>
+                </c:pt>
+                <c:pt idx="17">
+                  <c:v>0</c:v>
+                </c:pt>
               </c:numCache>
             </c:numRef>
           </c:yVal>
-          <c:smooth val="0"/>
+          <c:smooth val="1"/>
         </c:ser>
         <c:dLbls>
-          <c:dLblPos val="t"/>
           <c:showLegendKey val="0"/>
-          <c:showVal val="1"/>
+          <c:showVal val="0"/>
           <c:showCatName val="0"/>
           <c:showSerName val="0"/>
           <c:showPercent val="0"/>
           <c:showBubbleSize val="0"/>
         </c:dLbls>
-        <c:axId val="-275775600"/>
-        <c:axId val="-275776688"/>
+        <c:axId val="-1066308832"/>
+        <c:axId val="-1066311008"/>
       </c:scatterChart>
       <c:valAx>
-        <c:axId val="-275775600"/>
+        <c:axId val="-1066308832"/>
         <c:scaling>
           <c:orientation val="minMax"/>
         </c:scaling>
@@ -443,6 +429,12 @@
                   <a:rPr lang="en-CA"/>
                   <a:t>Iteration #</a:t>
                 </a:r>
+              </a:p>
+              <a:p>
+                <a:pPr>
+                  <a:defRPr/>
+                </a:pPr>
+                <a:endParaRPr lang="en-CA"/>
               </a:p>
             </c:rich>
           </c:tx>
@@ -513,12 +505,12 @@
             <a:endParaRPr lang="en-US"/>
           </a:p>
         </c:txPr>
-        <c:crossAx val="-275776688"/>
+        <c:crossAx val="-1066311008"/>
         <c:crosses val="autoZero"/>
         <c:crossBetween val="midCat"/>
       </c:valAx>
       <c:valAx>
-        <c:axId val="-275776688"/>
+        <c:axId val="-1066311008"/>
         <c:scaling>
           <c:orientation val="minMax"/>
         </c:scaling>
@@ -631,7 +623,7 @@
             <a:endParaRPr lang="en-US"/>
           </a:p>
         </c:txPr>
-        <c:crossAx val="-275775600"/>
+        <c:crossAx val="-1066308832"/>
         <c:crosses val="autoZero"/>
         <c:crossBetween val="midCat"/>
       </c:valAx>
@@ -1357,7 +1349,7 @@
           <a:p>
             <a:fld id="{10D00C45-4342-4A68-9A0F-1973E79D2689}" type="datetimeFigureOut">
               <a:rPr lang="en-CA" smtClean="0"/>
-              <a:t>2018-03-28</a:t>
+              <a:t>2018-03-29</a:t>
             </a:fld>
             <a:endParaRPr lang="en-CA"/>
           </a:p>
@@ -1527,7 +1519,7 @@
           <a:p>
             <a:fld id="{10D00C45-4342-4A68-9A0F-1973E79D2689}" type="datetimeFigureOut">
               <a:rPr lang="en-CA" smtClean="0"/>
-              <a:t>2018-03-28</a:t>
+              <a:t>2018-03-29</a:t>
             </a:fld>
             <a:endParaRPr lang="en-CA"/>
           </a:p>
@@ -1707,7 +1699,7 @@
           <a:p>
             <a:fld id="{10D00C45-4342-4A68-9A0F-1973E79D2689}" type="datetimeFigureOut">
               <a:rPr lang="en-CA" smtClean="0"/>
-              <a:t>2018-03-28</a:t>
+              <a:t>2018-03-29</a:t>
             </a:fld>
             <a:endParaRPr lang="en-CA"/>
           </a:p>
@@ -1877,7 +1869,7 @@
           <a:p>
             <a:fld id="{10D00C45-4342-4A68-9A0F-1973E79D2689}" type="datetimeFigureOut">
               <a:rPr lang="en-CA" smtClean="0"/>
-              <a:t>2018-03-28</a:t>
+              <a:t>2018-03-29</a:t>
             </a:fld>
             <a:endParaRPr lang="en-CA"/>
           </a:p>
@@ -2123,7 +2115,7 @@
           <a:p>
             <a:fld id="{10D00C45-4342-4A68-9A0F-1973E79D2689}" type="datetimeFigureOut">
               <a:rPr lang="en-CA" smtClean="0"/>
-              <a:t>2018-03-28</a:t>
+              <a:t>2018-03-29</a:t>
             </a:fld>
             <a:endParaRPr lang="en-CA"/>
           </a:p>
@@ -2355,7 +2347,7 @@
           <a:p>
             <a:fld id="{10D00C45-4342-4A68-9A0F-1973E79D2689}" type="datetimeFigureOut">
               <a:rPr lang="en-CA" smtClean="0"/>
-              <a:t>2018-03-28</a:t>
+              <a:t>2018-03-29</a:t>
             </a:fld>
             <a:endParaRPr lang="en-CA"/>
           </a:p>
@@ -2722,7 +2714,7 @@
           <a:p>
             <a:fld id="{10D00C45-4342-4A68-9A0F-1973E79D2689}" type="datetimeFigureOut">
               <a:rPr lang="en-CA" smtClean="0"/>
-              <a:t>2018-03-28</a:t>
+              <a:t>2018-03-29</a:t>
             </a:fld>
             <a:endParaRPr lang="en-CA"/>
           </a:p>
@@ -2840,7 +2832,7 @@
           <a:p>
             <a:fld id="{10D00C45-4342-4A68-9A0F-1973E79D2689}" type="datetimeFigureOut">
               <a:rPr lang="en-CA" smtClean="0"/>
-              <a:t>2018-03-28</a:t>
+              <a:t>2018-03-29</a:t>
             </a:fld>
             <a:endParaRPr lang="en-CA"/>
           </a:p>
@@ -2935,7 +2927,7 @@
           <a:p>
             <a:fld id="{10D00C45-4342-4A68-9A0F-1973E79D2689}" type="datetimeFigureOut">
               <a:rPr lang="en-CA" smtClean="0"/>
-              <a:t>2018-03-28</a:t>
+              <a:t>2018-03-29</a:t>
             </a:fld>
             <a:endParaRPr lang="en-CA"/>
           </a:p>
@@ -3212,7 +3204,7 @@
           <a:p>
             <a:fld id="{10D00C45-4342-4A68-9A0F-1973E79D2689}" type="datetimeFigureOut">
               <a:rPr lang="en-CA" smtClean="0"/>
-              <a:t>2018-03-28</a:t>
+              <a:t>2018-03-29</a:t>
             </a:fld>
             <a:endParaRPr lang="en-CA"/>
           </a:p>
@@ -3465,7 +3457,7 @@
           <a:p>
             <a:fld id="{10D00C45-4342-4A68-9A0F-1973E79D2689}" type="datetimeFigureOut">
               <a:rPr lang="en-CA" smtClean="0"/>
-              <a:t>2018-03-28</a:t>
+              <a:t>2018-03-29</a:t>
             </a:fld>
             <a:endParaRPr lang="en-CA"/>
           </a:p>
@@ -3678,7 +3670,7 @@
           <a:p>
             <a:fld id="{10D00C45-4342-4A68-9A0F-1973E79D2689}" type="datetimeFigureOut">
               <a:rPr lang="en-CA" smtClean="0"/>
-              <a:t>2018-03-28</a:t>
+              <a:t>2018-03-29</a:t>
             </a:fld>
             <a:endParaRPr lang="en-CA"/>
           </a:p>
@@ -8138,21 +8130,21 @@
       </p:sp>
       <p:graphicFrame>
         <p:nvGraphicFramePr>
-          <p:cNvPr id="8" name="Chart 7"/>
+          <p:cNvPr id="6" name="Chart 5"/>
           <p:cNvGraphicFramePr>
             <a:graphicFrameLocks/>
           </p:cNvGraphicFramePr>
           <p:nvPr>
             <p:extLst>
               <p:ext uri="{D42A27DB-BD31-4B8C-83A1-F6EECF244321}">
-                <p14:modId xmlns:p14="http://schemas.microsoft.com/office/powerpoint/2010/main" val="2175428205"/>
+                <p14:modId xmlns:p14="http://schemas.microsoft.com/office/powerpoint/2010/main" val="1831545821"/>
               </p:ext>
             </p:extLst>
           </p:nvPr>
         </p:nvGraphicFramePr>
         <p:xfrm>
-          <a:off x="3432020" y="1874044"/>
-          <a:ext cx="5051571" cy="3109912"/>
+          <a:off x="3016708" y="1821656"/>
+          <a:ext cx="5619750" cy="3214688"/>
         </p:xfrm>
         <a:graphic>
           <a:graphicData uri="http://schemas.openxmlformats.org/drawingml/2006/chart">
@@ -8160,6 +8152,40 @@
           </a:graphicData>
         </a:graphic>
       </p:graphicFrame>
+      <p:sp>
+        <p:nvSpPr>
+          <p:cNvPr id="3" name="TextBox 2"/>
+          <p:cNvSpPr txBox="1"/>
+          <p:nvPr/>
+        </p:nvSpPr>
+        <p:spPr>
+          <a:xfrm>
+            <a:off x="2206305" y="5125673"/>
+            <a:ext cx="5958811" cy="369332"/>
+          </a:xfrm>
+          <a:prstGeom prst="rect">
+            <a:avLst/>
+          </a:prstGeom>
+          <a:noFill/>
+        </p:spPr>
+        <p:txBody>
+          <a:bodyPr wrap="none" rtlCol="0">
+            <a:spAutoFit/>
+          </a:bodyPr>
+          <a:lstStyle/>
+          <a:p>
+            <a:pPr marL="285750" indent="-285750">
+              <a:buFont typeface="Arial" panose="020B0604020202020204" pitchFamily="34" charset="0"/>
+              <a:buChar char="•"/>
+            </a:pPr>
+            <a:r>
+              <a:rPr lang="en-CA" dirty="0" smtClean="0"/>
+              <a:t>Dodecahedron total time: 5 hours, 58 minutes, 29 seconds</a:t>
+            </a:r>
+            <a:endParaRPr lang="en-CA" dirty="0"/>
+          </a:p>
+        </p:txBody>
+      </p:sp>
     </p:spTree>
     <p:extLst>
       <p:ext uri="{BB962C8B-B14F-4D97-AF65-F5344CB8AC3E}">
@@ -8330,17 +8356,8 @@
               <a:rPr lang="en-CA" dirty="0" smtClean="0">
                 <a:latin typeface="Gill Sans MT" panose="020B0502020104020203" pitchFamily="34" charset="0"/>
               </a:rPr>
-              <a:t>• </a:t>
-            </a:r>
-            <a:r>
-              <a:rPr lang="en-CA" dirty="0" smtClean="0">
-                <a:latin typeface="Gill Sans MT" panose="020B0502020104020203" pitchFamily="34" charset="0"/>
-              </a:rPr>
-              <a:t>Solutions</a:t>
-            </a:r>
-            <a:endParaRPr lang="en-CA" dirty="0" smtClean="0">
-              <a:latin typeface="Gill Sans MT" panose="020B0502020104020203" pitchFamily="34" charset="0"/>
-            </a:endParaRPr>
+              <a:t>• Solutions</a:t>
+            </a:r>
           </a:p>
           <a:p>
             <a:pPr algn="l"/>
@@ -10145,19 +10162,7 @@
               <a:rPr lang="en-CA" dirty="0" smtClean="0">
                 <a:latin typeface="Gill Sans MT" panose="020B0502020104020203" pitchFamily="34" charset="0"/>
               </a:rPr>
-              <a:t>COMP </a:t>
-            </a:r>
-            <a:r>
-              <a:rPr lang="en-CA" dirty="0" smtClean="0">
-                <a:latin typeface="Gill Sans MT" panose="020B0502020104020203" pitchFamily="34" charset="0"/>
-              </a:rPr>
-              <a:t>4060, </a:t>
-            </a:r>
-            <a:r>
-              <a:rPr lang="en-CA" dirty="0" smtClean="0">
-                <a:latin typeface="Gill Sans MT" panose="020B0502020104020203" pitchFamily="34" charset="0"/>
-              </a:rPr>
-              <a:t>Cox</a:t>
+              <a:t>COMP 4060, Cox</a:t>
             </a:r>
             <a:endParaRPr lang="en-CA" dirty="0">
               <a:latin typeface="Gill Sans MT" panose="020B0502020104020203" pitchFamily="34" charset="0"/>
@@ -10407,19 +10412,7 @@
               <a:rPr lang="en-CA" dirty="0" smtClean="0">
                 <a:latin typeface="Gill Sans MT" panose="020B0502020104020203" pitchFamily="34" charset="0"/>
               </a:rPr>
-              <a:t>COMP </a:t>
-            </a:r>
-            <a:r>
-              <a:rPr lang="en-CA" dirty="0" smtClean="0">
-                <a:latin typeface="Gill Sans MT" panose="020B0502020104020203" pitchFamily="34" charset="0"/>
-              </a:rPr>
-              <a:t>4060, </a:t>
-            </a:r>
-            <a:r>
-              <a:rPr lang="en-CA" dirty="0" smtClean="0">
-                <a:latin typeface="Gill Sans MT" panose="020B0502020104020203" pitchFamily="34" charset="0"/>
-              </a:rPr>
-              <a:t>Cox</a:t>
+              <a:t>COMP 4060, Cox</a:t>
             </a:r>
             <a:endParaRPr lang="en-CA" dirty="0">
               <a:latin typeface="Gill Sans MT" panose="020B0502020104020203" pitchFamily="34" charset="0"/>
@@ -10514,13 +10507,7 @@
               <a:rPr lang="en-CA" dirty="0" smtClean="0">
                 <a:latin typeface="Gill Sans MT" panose="020B0502020104020203" pitchFamily="34" charset="0"/>
               </a:rPr>
-              <a:t>Motivation: </a:t>
-            </a:r>
-            <a:r>
-              <a:rPr lang="en-CA" dirty="0" smtClean="0">
-                <a:latin typeface="Gill Sans MT" panose="020B0502020104020203" pitchFamily="34" charset="0"/>
-              </a:rPr>
-              <a:t>Graph Minor Algorithm</a:t>
+              <a:t>Motivation: Graph Minor Algorithm</a:t>
             </a:r>
             <a:endParaRPr lang="en-CA" dirty="0">
               <a:latin typeface="Gill Sans MT" panose="020B0502020104020203" pitchFamily="34" charset="0"/>
@@ -10586,9 +10573,6 @@
               </a:rPr>
               <a:t>Many problems are in P for bounded TW*</a:t>
             </a:r>
-            <a:endParaRPr lang="en-CA" dirty="0" smtClean="0">
-              <a:latin typeface="Gill Sans MT" panose="020B0502020104020203" pitchFamily="34" charset="0"/>
-            </a:endParaRPr>
           </a:p>
           <a:p>
             <a:pPr marL="0" indent="0">
@@ -10841,9 +10825,6 @@
               </a:rPr>
               <a:t> has Treewidth N</a:t>
             </a:r>
-            <a:endParaRPr lang="en-CA" dirty="0" smtClean="0">
-              <a:latin typeface="Gill Sans MT" panose="020B0502020104020203" pitchFamily="34" charset="0"/>
-            </a:endParaRPr>
           </a:p>
           <a:p>
             <a:endParaRPr lang="en-CA" dirty="0">

--- a/treewidth_presentation.pptx
+++ b/treewidth_presentation.pptx
@@ -183,7 +183,6 @@
           </a:p>
         </c:rich>
       </c:tx>
-      <c:layout/>
       <c:overlay val="0"/>
       <c:spPr>
         <a:noFill/>
@@ -382,11 +381,11 @@
           <c:showPercent val="0"/>
           <c:showBubbleSize val="0"/>
         </c:dLbls>
-        <c:axId val="-1066308832"/>
-        <c:axId val="-1066311008"/>
+        <c:axId val="1019483584"/>
+        <c:axId val="1019492288"/>
       </c:scatterChart>
       <c:valAx>
-        <c:axId val="-1066308832"/>
+        <c:axId val="1019483584"/>
         <c:scaling>
           <c:orientation val="minMax"/>
         </c:scaling>
@@ -438,7 +437,6 @@
               </a:p>
             </c:rich>
           </c:tx>
-          <c:layout/>
           <c:overlay val="0"/>
           <c:spPr>
             <a:noFill/>
@@ -505,12 +503,12 @@
             <a:endParaRPr lang="en-US"/>
           </a:p>
         </c:txPr>
-        <c:crossAx val="-1066311008"/>
+        <c:crossAx val="1019492288"/>
         <c:crosses val="autoZero"/>
         <c:crossBetween val="midCat"/>
       </c:valAx>
       <c:valAx>
-        <c:axId val="-1066311008"/>
+        <c:axId val="1019492288"/>
         <c:scaling>
           <c:orientation val="minMax"/>
         </c:scaling>
@@ -556,7 +554,6 @@
               </a:p>
             </c:rich>
           </c:tx>
-          <c:layout/>
           <c:overlay val="0"/>
           <c:spPr>
             <a:noFill/>
@@ -623,7 +620,7 @@
             <a:endParaRPr lang="en-US"/>
           </a:p>
         </c:txPr>
-        <c:crossAx val="-1066308832"/>
+        <c:crossAx val="1019483584"/>
         <c:crosses val="autoZero"/>
         <c:crossBetween val="midCat"/>
       </c:valAx>

--- a/treewidth_presentation.pptx
+++ b/treewidth_presentation.pptx
@@ -381,11 +381,11 @@
           <c:showPercent val="0"/>
           <c:showBubbleSize val="0"/>
         </c:dLbls>
-        <c:axId val="1019483584"/>
-        <c:axId val="1019492288"/>
+        <c:axId val="1356049056"/>
+        <c:axId val="1356045248"/>
       </c:scatterChart>
       <c:valAx>
-        <c:axId val="1019483584"/>
+        <c:axId val="1356049056"/>
         <c:scaling>
           <c:orientation val="minMax"/>
         </c:scaling>
@@ -503,12 +503,12 @@
             <a:endParaRPr lang="en-US"/>
           </a:p>
         </c:txPr>
-        <c:crossAx val="1019492288"/>
+        <c:crossAx val="1356045248"/>
         <c:crosses val="autoZero"/>
         <c:crossBetween val="midCat"/>
       </c:valAx>
       <c:valAx>
-        <c:axId val="1019492288"/>
+        <c:axId val="1356045248"/>
         <c:scaling>
           <c:orientation val="minMax"/>
         </c:scaling>
@@ -620,7 +620,7 @@
             <a:endParaRPr lang="en-US"/>
           </a:p>
         </c:txPr>
-        <c:crossAx val="1019483584"/>
+        <c:crossAx val="1356049056"/>
         <c:crosses val="autoZero"/>
         <c:crossBetween val="midCat"/>
       </c:valAx>
@@ -1346,7 +1346,7 @@
           <a:p>
             <a:fld id="{10D00C45-4342-4A68-9A0F-1973E79D2689}" type="datetimeFigureOut">
               <a:rPr lang="en-CA" smtClean="0"/>
-              <a:t>2018-03-29</a:t>
+              <a:t>2018-03-30</a:t>
             </a:fld>
             <a:endParaRPr lang="en-CA"/>
           </a:p>
@@ -1516,7 +1516,7 @@
           <a:p>
             <a:fld id="{10D00C45-4342-4A68-9A0F-1973E79D2689}" type="datetimeFigureOut">
               <a:rPr lang="en-CA" smtClean="0"/>
-              <a:t>2018-03-29</a:t>
+              <a:t>2018-03-30</a:t>
             </a:fld>
             <a:endParaRPr lang="en-CA"/>
           </a:p>
@@ -1696,7 +1696,7 @@
           <a:p>
             <a:fld id="{10D00C45-4342-4A68-9A0F-1973E79D2689}" type="datetimeFigureOut">
               <a:rPr lang="en-CA" smtClean="0"/>
-              <a:t>2018-03-29</a:t>
+              <a:t>2018-03-30</a:t>
             </a:fld>
             <a:endParaRPr lang="en-CA"/>
           </a:p>
@@ -1866,7 +1866,7 @@
           <a:p>
             <a:fld id="{10D00C45-4342-4A68-9A0F-1973E79D2689}" type="datetimeFigureOut">
               <a:rPr lang="en-CA" smtClean="0"/>
-              <a:t>2018-03-29</a:t>
+              <a:t>2018-03-30</a:t>
             </a:fld>
             <a:endParaRPr lang="en-CA"/>
           </a:p>
@@ -2112,7 +2112,7 @@
           <a:p>
             <a:fld id="{10D00C45-4342-4A68-9A0F-1973E79D2689}" type="datetimeFigureOut">
               <a:rPr lang="en-CA" smtClean="0"/>
-              <a:t>2018-03-29</a:t>
+              <a:t>2018-03-30</a:t>
             </a:fld>
             <a:endParaRPr lang="en-CA"/>
           </a:p>
@@ -2344,7 +2344,7 @@
           <a:p>
             <a:fld id="{10D00C45-4342-4A68-9A0F-1973E79D2689}" type="datetimeFigureOut">
               <a:rPr lang="en-CA" smtClean="0"/>
-              <a:t>2018-03-29</a:t>
+              <a:t>2018-03-30</a:t>
             </a:fld>
             <a:endParaRPr lang="en-CA"/>
           </a:p>
@@ -2711,7 +2711,7 @@
           <a:p>
             <a:fld id="{10D00C45-4342-4A68-9A0F-1973E79D2689}" type="datetimeFigureOut">
               <a:rPr lang="en-CA" smtClean="0"/>
-              <a:t>2018-03-29</a:t>
+              <a:t>2018-03-30</a:t>
             </a:fld>
             <a:endParaRPr lang="en-CA"/>
           </a:p>
@@ -2829,7 +2829,7 @@
           <a:p>
             <a:fld id="{10D00C45-4342-4A68-9A0F-1973E79D2689}" type="datetimeFigureOut">
               <a:rPr lang="en-CA" smtClean="0"/>
-              <a:t>2018-03-29</a:t>
+              <a:t>2018-03-30</a:t>
             </a:fld>
             <a:endParaRPr lang="en-CA"/>
           </a:p>
@@ -2924,7 +2924,7 @@
           <a:p>
             <a:fld id="{10D00C45-4342-4A68-9A0F-1973E79D2689}" type="datetimeFigureOut">
               <a:rPr lang="en-CA" smtClean="0"/>
-              <a:t>2018-03-29</a:t>
+              <a:t>2018-03-30</a:t>
             </a:fld>
             <a:endParaRPr lang="en-CA"/>
           </a:p>
@@ -3201,7 +3201,7 @@
           <a:p>
             <a:fld id="{10D00C45-4342-4A68-9A0F-1973E79D2689}" type="datetimeFigureOut">
               <a:rPr lang="en-CA" smtClean="0"/>
-              <a:t>2018-03-29</a:t>
+              <a:t>2018-03-30</a:t>
             </a:fld>
             <a:endParaRPr lang="en-CA"/>
           </a:p>
@@ -3454,7 +3454,7 @@
           <a:p>
             <a:fld id="{10D00C45-4342-4A68-9A0F-1973E79D2689}" type="datetimeFigureOut">
               <a:rPr lang="en-CA" smtClean="0"/>
-              <a:t>2018-03-29</a:t>
+              <a:t>2018-03-30</a:t>
             </a:fld>
             <a:endParaRPr lang="en-CA"/>
           </a:p>
@@ -3667,7 +3667,7 @@
           <a:p>
             <a:fld id="{10D00C45-4342-4A68-9A0F-1973E79D2689}" type="datetimeFigureOut">
               <a:rPr lang="en-CA" smtClean="0"/>
-              <a:t>2018-03-29</a:t>
+              <a:t>2018-03-30</a:t>
             </a:fld>
             <a:endParaRPr lang="en-CA"/>
           </a:p>
@@ -10800,8 +10800,23 @@
               <a:rPr lang="en-CA" dirty="0" smtClean="0">
                 <a:latin typeface="Gill Sans MT" panose="020B0502020104020203" pitchFamily="34" charset="0"/>
               </a:rPr>
-              <a:t> has Treewidth N</a:t>
-            </a:r>
+              <a:t> has </a:t>
+            </a:r>
+            <a:r>
+              <a:rPr lang="en-CA" smtClean="0">
+                <a:latin typeface="Gill Sans MT" panose="020B0502020104020203" pitchFamily="34" charset="0"/>
+              </a:rPr>
+              <a:t>Treewidth </a:t>
+            </a:r>
+            <a:r>
+              <a:rPr lang="en-CA" smtClean="0">
+                <a:latin typeface="Gill Sans MT" panose="020B0502020104020203" pitchFamily="34" charset="0"/>
+              </a:rPr>
+              <a:t>N-1</a:t>
+            </a:r>
+            <a:endParaRPr lang="en-CA" dirty="0" smtClean="0">
+              <a:latin typeface="Gill Sans MT" panose="020B0502020104020203" pitchFamily="34" charset="0"/>
+            </a:endParaRPr>
           </a:p>
           <a:p>
             <a:r>
